--- a/docs/FIGURE/Matching/matching.pptx
+++ b/docs/FIGURE/Matching/matching.pptx
@@ -3415,10 +3415,10 @@
       </p:grpSpPr>
       <p:grpSp>
         <p:nvGrpSpPr>
-          <p:cNvPr id="11" name="Group 10">
+          <p:cNvPr id="8" name="Group 7">
             <a:extLst>
               <a:ext uri="{FF2B5EF4-FFF2-40B4-BE49-F238E27FC236}">
-                <a16:creationId xmlns:a16="http://schemas.microsoft.com/office/drawing/2014/main" id="{D6F8106D-2895-4183-8697-B8F995FA4022}"/>
+                <a16:creationId xmlns:a16="http://schemas.microsoft.com/office/drawing/2014/main" id="{45B97A63-69DC-4234-A9E3-A5F2751F4AD9}"/>
               </a:ext>
             </a:extLst>
           </p:cNvPr>
@@ -3843,10 +3843,10 @@
       </p:grpSpPr>
       <p:grpSp>
         <p:nvGrpSpPr>
-          <p:cNvPr id="7" name="Group 6">
+          <p:cNvPr id="13" name="Group 12">
             <a:extLst>
               <a:ext uri="{FF2B5EF4-FFF2-40B4-BE49-F238E27FC236}">
-                <a16:creationId xmlns:a16="http://schemas.microsoft.com/office/drawing/2014/main" id="{41B55E8D-59F6-4188-88DF-6E7916FE7F20}"/>
+                <a16:creationId xmlns:a16="http://schemas.microsoft.com/office/drawing/2014/main" id="{88DE60EA-7902-40C5-ADD8-8800C45A0237}"/>
               </a:ext>
             </a:extLst>
           </p:cNvPr>
@@ -3861,42 +3861,290 @@
             <a:chExt cx="6568261" cy="4867275"/>
           </a:xfrm>
         </p:grpSpPr>
-        <p:pic>
-          <p:nvPicPr>
-            <p:cNvPr id="2" name="Picture 1">
+        <p:grpSp>
+          <p:nvGrpSpPr>
+            <p:cNvPr id="7" name="Group 6">
               <a:extLst>
                 <a:ext uri="{FF2B5EF4-FFF2-40B4-BE49-F238E27FC236}">
-                  <a16:creationId xmlns:a16="http://schemas.microsoft.com/office/drawing/2014/main" id="{F7A252D6-0E01-4745-8D6E-23DD76E57D1E}"/>
+                  <a16:creationId xmlns:a16="http://schemas.microsoft.com/office/drawing/2014/main" id="{41B55E8D-59F6-4188-88DF-6E7916FE7F20}"/>
                 </a:ext>
               </a:extLst>
             </p:cNvPr>
-            <p:cNvPicPr>
-              <a:picLocks noChangeAspect="1"/>
-            </p:cNvPicPr>
+            <p:cNvGrpSpPr/>
             <p:nvPr/>
-          </p:nvPicPr>
-          <p:blipFill>
-            <a:blip r:embed="rId2"/>
-            <a:stretch>
-              <a:fillRect/>
-            </a:stretch>
-          </p:blipFill>
-          <p:spPr>
+          </p:nvGrpSpPr>
+          <p:grpSpPr>
             <a:xfrm>
               <a:off x="3657600" y="995362"/>
-              <a:ext cx="4876800" cy="4867275"/>
+              <a:ext cx="6568261" cy="4867275"/>
+              <a:chOff x="3657600" y="995362"/>
+              <a:chExt cx="6568261" cy="4867275"/>
             </a:xfrm>
-            <a:prstGeom prst="rect">
-              <a:avLst/>
-            </a:prstGeom>
-          </p:spPr>
-        </p:pic>
+          </p:grpSpPr>
+          <p:pic>
+            <p:nvPicPr>
+              <p:cNvPr id="2" name="Picture 1">
+                <a:extLst>
+                  <a:ext uri="{FF2B5EF4-FFF2-40B4-BE49-F238E27FC236}">
+                    <a16:creationId xmlns:a16="http://schemas.microsoft.com/office/drawing/2014/main" id="{F7A252D6-0E01-4745-8D6E-23DD76E57D1E}"/>
+                  </a:ext>
+                </a:extLst>
+              </p:cNvPr>
+              <p:cNvPicPr>
+                <a:picLocks noChangeAspect="1"/>
+              </p:cNvPicPr>
+              <p:nvPr/>
+            </p:nvPicPr>
+            <p:blipFill>
+              <a:blip r:embed="rId2"/>
+              <a:stretch>
+                <a:fillRect/>
+              </a:stretch>
+            </p:blipFill>
+            <p:spPr>
+              <a:xfrm>
+                <a:off x="3657600" y="995362"/>
+                <a:ext cx="4876800" cy="4867275"/>
+              </a:xfrm>
+              <a:prstGeom prst="rect">
+                <a:avLst/>
+              </a:prstGeom>
+            </p:spPr>
+          </p:pic>
+          <p:sp>
+            <p:nvSpPr>
+              <p:cNvPr id="3" name="Oval 2">
+                <a:extLst>
+                  <a:ext uri="{FF2B5EF4-FFF2-40B4-BE49-F238E27FC236}">
+                    <a16:creationId xmlns:a16="http://schemas.microsoft.com/office/drawing/2014/main" id="{A8814CDD-32A5-4D70-9FE4-49FB381DF689}"/>
+                  </a:ext>
+                </a:extLst>
+              </p:cNvPr>
+              <p:cNvSpPr/>
+              <p:nvPr/>
+            </p:nvSpPr>
+            <p:spPr>
+              <a:xfrm>
+                <a:off x="8555497" y="1845840"/>
+                <a:ext cx="164592" cy="164592"/>
+              </a:xfrm>
+              <a:prstGeom prst="ellipse">
+                <a:avLst/>
+              </a:prstGeom>
+              <a:noFill/>
+              <a:ln w="25400">
+                <a:solidFill>
+                  <a:srgbClr val="7030A0"/>
+                </a:solidFill>
+              </a:ln>
+            </p:spPr>
+            <p:style>
+              <a:lnRef idx="2">
+                <a:schemeClr val="accent1">
+                  <a:shade val="50000"/>
+                </a:schemeClr>
+              </a:lnRef>
+              <a:fillRef idx="1">
+                <a:schemeClr val="accent1"/>
+              </a:fillRef>
+              <a:effectRef idx="0">
+                <a:schemeClr val="accent1"/>
+              </a:effectRef>
+              <a:fontRef idx="minor">
+                <a:schemeClr val="lt1"/>
+              </a:fontRef>
+            </p:style>
+            <p:txBody>
+              <a:bodyPr rtlCol="0" anchor="ctr"/>
+              <a:lstStyle/>
+              <a:p>
+                <a:pPr algn="ctr"/>
+                <a:endParaRPr lang="en-US"/>
+              </a:p>
+            </p:txBody>
+          </p:sp>
+          <p:sp>
+            <p:nvSpPr>
+              <p:cNvPr id="4" name="TextBox 3">
+                <a:extLst>
+                  <a:ext uri="{FF2B5EF4-FFF2-40B4-BE49-F238E27FC236}">
+                    <a16:creationId xmlns:a16="http://schemas.microsoft.com/office/drawing/2014/main" id="{2336A6FE-C116-44E4-8225-746EF51DA08D}"/>
+                  </a:ext>
+                </a:extLst>
+              </p:cNvPr>
+              <p:cNvSpPr txBox="1"/>
+              <p:nvPr/>
+            </p:nvSpPr>
+            <p:spPr>
+              <a:xfrm>
+                <a:off x="8729233" y="1716758"/>
+                <a:ext cx="1422184" cy="1015663"/>
+              </a:xfrm>
+              <a:prstGeom prst="rect">
+                <a:avLst/>
+              </a:prstGeom>
+              <a:noFill/>
+            </p:spPr>
+            <p:txBody>
+              <a:bodyPr wrap="none" rtlCol="0">
+                <a:spAutoFit/>
+              </a:bodyPr>
+              <a:lstStyle/>
+              <a:p>
+                <a:r>
+                  <a:rPr lang="en-US" sz="2000" dirty="0">
+                    <a:solidFill>
+                      <a:srgbClr val="7030A0"/>
+                    </a:solidFill>
+                  </a:rPr>
+                  <a:t>Received </a:t>
+                </a:r>
+                <a:br>
+                  <a:rPr lang="en-US" sz="2000" dirty="0">
+                    <a:solidFill>
+                      <a:srgbClr val="7030A0"/>
+                    </a:solidFill>
+                  </a:rPr>
+                </a:br>
+                <a:r>
+                  <a:rPr lang="en-US" sz="2000" dirty="0">
+                    <a:solidFill>
+                      <a:srgbClr val="7030A0"/>
+                    </a:solidFill>
+                  </a:rPr>
+                  <a:t>Admissions </a:t>
+                </a:r>
+                <a:br>
+                  <a:rPr lang="en-US" sz="2000" dirty="0">
+                    <a:solidFill>
+                      <a:srgbClr val="7030A0"/>
+                    </a:solidFill>
+                  </a:rPr>
+                </a:br>
+                <a:r>
+                  <a:rPr lang="en-US" sz="2000" dirty="0">
+                    <a:solidFill>
+                      <a:srgbClr val="7030A0"/>
+                    </a:solidFill>
+                  </a:rPr>
+                  <a:t>Coaching</a:t>
+                </a:r>
+              </a:p>
+            </p:txBody>
+          </p:sp>
+          <p:sp>
+            <p:nvSpPr>
+              <p:cNvPr id="5" name="Oval 4">
+                <a:extLst>
+                  <a:ext uri="{FF2B5EF4-FFF2-40B4-BE49-F238E27FC236}">
+                    <a16:creationId xmlns:a16="http://schemas.microsoft.com/office/drawing/2014/main" id="{88EB6985-EA1F-4C49-8175-EC4E422EBDD9}"/>
+                  </a:ext>
+                </a:extLst>
+              </p:cNvPr>
+              <p:cNvSpPr/>
+              <p:nvPr/>
+            </p:nvSpPr>
+            <p:spPr>
+              <a:xfrm>
+                <a:off x="8546353" y="3050080"/>
+                <a:ext cx="182880" cy="182880"/>
+              </a:xfrm>
+              <a:prstGeom prst="ellipse">
+                <a:avLst/>
+              </a:prstGeom>
+              <a:solidFill>
+                <a:srgbClr val="72B572"/>
+              </a:solidFill>
+              <a:ln w="25400">
+                <a:noFill/>
+              </a:ln>
+            </p:spPr>
+            <p:style>
+              <a:lnRef idx="2">
+                <a:schemeClr val="accent1">
+                  <a:shade val="50000"/>
+                </a:schemeClr>
+              </a:lnRef>
+              <a:fillRef idx="1">
+                <a:schemeClr val="accent1"/>
+              </a:fillRef>
+              <a:effectRef idx="0">
+                <a:schemeClr val="accent1"/>
+              </a:effectRef>
+              <a:fontRef idx="minor">
+                <a:schemeClr val="lt1"/>
+              </a:fontRef>
+            </p:style>
+            <p:txBody>
+              <a:bodyPr rtlCol="0" anchor="ctr"/>
+              <a:lstStyle/>
+              <a:p>
+                <a:pPr algn="ctr"/>
+                <a:endParaRPr lang="en-US"/>
+              </a:p>
+            </p:txBody>
+          </p:sp>
+          <p:sp>
+            <p:nvSpPr>
+              <p:cNvPr id="6" name="TextBox 5">
+                <a:extLst>
+                  <a:ext uri="{FF2B5EF4-FFF2-40B4-BE49-F238E27FC236}">
+                    <a16:creationId xmlns:a16="http://schemas.microsoft.com/office/drawing/2014/main" id="{4324907B-3996-41BA-B607-3D7307BD4D6A}"/>
+                  </a:ext>
+                </a:extLst>
+              </p:cNvPr>
+              <p:cNvSpPr txBox="1"/>
+              <p:nvPr/>
+            </p:nvSpPr>
+            <p:spPr>
+              <a:xfrm>
+                <a:off x="8729233" y="2938926"/>
+                <a:ext cx="1496628" cy="707886"/>
+              </a:xfrm>
+              <a:prstGeom prst="rect">
+                <a:avLst/>
+              </a:prstGeom>
+              <a:noFill/>
+            </p:spPr>
+            <p:txBody>
+              <a:bodyPr wrap="none" rtlCol="0">
+                <a:spAutoFit/>
+              </a:bodyPr>
+              <a:lstStyle/>
+              <a:p>
+                <a:r>
+                  <a:rPr lang="en-US" sz="2000" dirty="0">
+                    <a:solidFill>
+                      <a:srgbClr val="72B572"/>
+                    </a:solidFill>
+                  </a:rPr>
+                  <a:t>Admitted to </a:t>
+                </a:r>
+                <a:br>
+                  <a:rPr lang="en-US" sz="2000" dirty="0">
+                    <a:solidFill>
+                      <a:srgbClr val="72B572"/>
+                    </a:solidFill>
+                  </a:rPr>
+                </a:br>
+                <a:r>
+                  <a:rPr lang="en-US" sz="2000" dirty="0">
+                    <a:solidFill>
+                      <a:srgbClr val="72B572"/>
+                    </a:solidFill>
+                  </a:rPr>
+                  <a:t>Law School</a:t>
+                </a:r>
+              </a:p>
+            </p:txBody>
+          </p:sp>
+        </p:grpSp>
         <p:sp>
           <p:nvSpPr>
-            <p:cNvPr id="3" name="Oval 2">
+            <p:cNvPr id="10" name="Oval 9">
               <a:extLst>
                 <a:ext uri="{FF2B5EF4-FFF2-40B4-BE49-F238E27FC236}">
-                  <a16:creationId xmlns:a16="http://schemas.microsoft.com/office/drawing/2014/main" id="{A8814CDD-32A5-4D70-9FE4-49FB381DF689}"/>
+                  <a16:creationId xmlns:a16="http://schemas.microsoft.com/office/drawing/2014/main" id="{B53FCDDF-0BA5-4997-B13C-60CC5F5559FE}"/>
                 </a:ext>
               </a:extLst>
             </p:cNvPr>
@@ -3905,7 +4153,63 @@
           </p:nvSpPr>
           <p:spPr>
             <a:xfrm>
-              <a:off x="8555497" y="1845840"/>
+              <a:off x="8591849" y="3955687"/>
+              <a:ext cx="182880" cy="182880"/>
+            </a:xfrm>
+            <a:prstGeom prst="ellipse">
+              <a:avLst/>
+            </a:prstGeom>
+            <a:solidFill>
+              <a:srgbClr val="72B572"/>
+            </a:solidFill>
+            <a:ln w="25400">
+              <a:noFill/>
+            </a:ln>
+          </p:spPr>
+          <p:style>
+            <a:lnRef idx="2">
+              <a:schemeClr val="accent1">
+                <a:shade val="50000"/>
+              </a:schemeClr>
+            </a:lnRef>
+            <a:fillRef idx="1">
+              <a:schemeClr val="accent1"/>
+            </a:fillRef>
+            <a:effectRef idx="0">
+              <a:schemeClr val="accent1"/>
+            </a:effectRef>
+            <a:fontRef idx="minor">
+              <a:schemeClr val="lt1"/>
+            </a:fontRef>
+          </p:style>
+          <p:txBody>
+            <a:bodyPr rtlCol="0" anchor="ctr"/>
+            <a:lstStyle/>
+            <a:p>
+              <a:pPr algn="ctr"/>
+              <a:endParaRPr lang="en-US">
+                <a:solidFill>
+                  <a:srgbClr val="A7D1A7"/>
+                </a:solidFill>
+              </a:endParaRPr>
+            </a:p>
+          </p:txBody>
+        </p:sp>
+        <p:sp>
+          <p:nvSpPr>
+            <p:cNvPr id="11" name="Oval 10">
+              <a:extLst>
+                <a:ext uri="{FF2B5EF4-FFF2-40B4-BE49-F238E27FC236}">
+                  <a16:creationId xmlns:a16="http://schemas.microsoft.com/office/drawing/2014/main" id="{D1809804-7B42-496C-A843-A17F043D43BE}"/>
+                </a:ext>
+              </a:extLst>
+            </p:cNvPr>
+            <p:cNvSpPr/>
+            <p:nvPr/>
+          </p:nvSpPr>
+          <p:spPr>
+            <a:xfrm>
+              <a:off x="8591849" y="3955687"/>
               <a:ext cx="164592" cy="164592"/>
             </a:xfrm>
             <a:prstGeom prst="ellipse">
@@ -3945,10 +4249,10 @@
         </p:sp>
         <p:sp>
           <p:nvSpPr>
-            <p:cNvPr id="4" name="TextBox 3">
+            <p:cNvPr id="12" name="TextBox 11">
               <a:extLst>
                 <a:ext uri="{FF2B5EF4-FFF2-40B4-BE49-F238E27FC236}">
-                  <a16:creationId xmlns:a16="http://schemas.microsoft.com/office/drawing/2014/main" id="{2336A6FE-C116-44E4-8225-746EF51DA08D}"/>
+                  <a16:creationId xmlns:a16="http://schemas.microsoft.com/office/drawing/2014/main" id="{A5026ED7-7608-4F70-9A5A-F6833760FC8B}"/>
                 </a:ext>
               </a:extLst>
             </p:cNvPr>
@@ -3957,8 +4261,8 @@
           </p:nvSpPr>
           <p:spPr>
             <a:xfrm>
-              <a:off x="8729233" y="1716758"/>
-              <a:ext cx="1422184" cy="1015663"/>
+              <a:off x="8756441" y="3853317"/>
+              <a:ext cx="630301" cy="369332"/>
             </a:xfrm>
             <a:prstGeom prst="rect">
               <a:avLst/>
@@ -3972,148 +4276,15 @@
             <a:lstStyle/>
             <a:p>
               <a:r>
-                <a:rPr lang="en-US" sz="2000" dirty="0">
+                <a:rPr lang="en-US" dirty="0">
                   <a:solidFill>
-                    <a:srgbClr val="7030A0"/>
+                    <a:schemeClr val="tx1">
+                      <a:lumMod val="50000"/>
+                      <a:lumOff val="50000"/>
+                    </a:schemeClr>
                   </a:solidFill>
                 </a:rPr>
-                <a:t>Received </a:t>
-              </a:r>
-              <a:br>
-                <a:rPr lang="en-US" sz="2000" dirty="0">
-                  <a:solidFill>
-                    <a:srgbClr val="7030A0"/>
-                  </a:solidFill>
-                </a:rPr>
-              </a:br>
-              <a:r>
-                <a:rPr lang="en-US" sz="2000" dirty="0">
-                  <a:solidFill>
-                    <a:srgbClr val="7030A0"/>
-                  </a:solidFill>
-                </a:rPr>
-                <a:t>Admissions </a:t>
-              </a:r>
-              <a:br>
-                <a:rPr lang="en-US" sz="2000" dirty="0">
-                  <a:solidFill>
-                    <a:srgbClr val="7030A0"/>
-                  </a:solidFill>
-                </a:rPr>
-              </a:br>
-              <a:r>
-                <a:rPr lang="en-US" sz="2000" dirty="0">
-                  <a:solidFill>
-                    <a:srgbClr val="7030A0"/>
-                  </a:solidFill>
-                </a:rPr>
-                <a:t>Coaching</a:t>
-              </a:r>
-            </a:p>
-          </p:txBody>
-        </p:sp>
-        <p:sp>
-          <p:nvSpPr>
-            <p:cNvPr id="5" name="Oval 4">
-              <a:extLst>
-                <a:ext uri="{FF2B5EF4-FFF2-40B4-BE49-F238E27FC236}">
-                  <a16:creationId xmlns:a16="http://schemas.microsoft.com/office/drawing/2014/main" id="{88EB6985-EA1F-4C49-8175-EC4E422EBDD9}"/>
-                </a:ext>
-              </a:extLst>
-            </p:cNvPr>
-            <p:cNvSpPr/>
-            <p:nvPr/>
-          </p:nvSpPr>
-          <p:spPr>
-            <a:xfrm>
-              <a:off x="8546353" y="3050080"/>
-              <a:ext cx="182880" cy="182880"/>
-            </a:xfrm>
-            <a:prstGeom prst="ellipse">
-              <a:avLst/>
-            </a:prstGeom>
-            <a:solidFill>
-              <a:srgbClr val="72B572"/>
-            </a:solidFill>
-            <a:ln w="25400">
-              <a:noFill/>
-            </a:ln>
-          </p:spPr>
-          <p:style>
-            <a:lnRef idx="2">
-              <a:schemeClr val="accent1">
-                <a:shade val="50000"/>
-              </a:schemeClr>
-            </a:lnRef>
-            <a:fillRef idx="1">
-              <a:schemeClr val="accent1"/>
-            </a:fillRef>
-            <a:effectRef idx="0">
-              <a:schemeClr val="accent1"/>
-            </a:effectRef>
-            <a:fontRef idx="minor">
-              <a:schemeClr val="lt1"/>
-            </a:fontRef>
-          </p:style>
-          <p:txBody>
-            <a:bodyPr rtlCol="0" anchor="ctr"/>
-            <a:lstStyle/>
-            <a:p>
-              <a:pPr algn="ctr"/>
-              <a:endParaRPr lang="en-US"/>
-            </a:p>
-          </p:txBody>
-        </p:sp>
-        <p:sp>
-          <p:nvSpPr>
-            <p:cNvPr id="6" name="TextBox 5">
-              <a:extLst>
-                <a:ext uri="{FF2B5EF4-FFF2-40B4-BE49-F238E27FC236}">
-                  <a16:creationId xmlns:a16="http://schemas.microsoft.com/office/drawing/2014/main" id="{4324907B-3996-41BA-B607-3D7307BD4D6A}"/>
-                </a:ext>
-              </a:extLst>
-            </p:cNvPr>
-            <p:cNvSpPr txBox="1"/>
-            <p:nvPr/>
-          </p:nvSpPr>
-          <p:spPr>
-            <a:xfrm>
-              <a:off x="8729233" y="2938926"/>
-              <a:ext cx="1496628" cy="707886"/>
-            </a:xfrm>
-            <a:prstGeom prst="rect">
-              <a:avLst/>
-            </a:prstGeom>
-            <a:noFill/>
-          </p:spPr>
-          <p:txBody>
-            <a:bodyPr wrap="none" rtlCol="0">
-              <a:spAutoFit/>
-            </a:bodyPr>
-            <a:lstStyle/>
-            <a:p>
-              <a:r>
-                <a:rPr lang="en-US" sz="2000" dirty="0">
-                  <a:solidFill>
-                    <a:srgbClr val="72B572"/>
-                  </a:solidFill>
-                </a:rPr>
-                <a:t>Admitted to </a:t>
-              </a:r>
-              <a:br>
-                <a:rPr lang="en-US" sz="2000" dirty="0">
-                  <a:solidFill>
-                    <a:srgbClr val="72B572"/>
-                  </a:solidFill>
-                </a:rPr>
-              </a:br>
-              <a:r>
-                <a:rPr lang="en-US" sz="2000" dirty="0">
-                  <a:solidFill>
-                    <a:srgbClr val="72B572"/>
-                  </a:solidFill>
-                </a:rPr>
-                <a:t>Law School</a:t>
+                <a:t>Both</a:t>
               </a:r>
             </a:p>
           </p:txBody>
